--- a/JavaScript/제12장 JQUERY, Ajax, JSON(강의).pptx
+++ b/JavaScript/제12장 JQUERY, Ajax, JSON(강의).pptx
@@ -7246,8 +7246,13 @@
             </a:pPr>
             <a:r>
               <a:rPr lang="en-US" altLang="ko-KR" dirty="0"/>
-              <a:t>            });</a:t>
-            </a:r>
+              <a:t>            });  // </a:t>
+            </a:r>
+            <a:r>
+              <a:rPr lang="ko-KR" altLang="en-US"/>
+              <a:t>연결해서 계속 써주기</a:t>
+            </a:r>
+            <a:endParaRPr lang="en-US" altLang="ko-KR" dirty="0"/>
           </a:p>
           <a:p>
             <a:pPr>
@@ -19047,6 +19052,45 @@
           </a:extLst>
         </p:spPr>
       </p:pic>
+      <p:sp>
+        <p:nvSpPr>
+          <p:cNvPr id="3" name="TextBox 2">
+            <a:extLst>
+              <a:ext uri="{FF2B5EF4-FFF2-40B4-BE49-F238E27FC236}">
+                <a16:creationId xmlns:a16="http://schemas.microsoft.com/office/drawing/2014/main" id="{23457865-B18F-42E2-362E-D9066893165B}"/>
+              </a:ext>
+            </a:extLst>
+          </p:cNvPr>
+          <p:cNvSpPr txBox="1"/>
+          <p:nvPr/>
+        </p:nvSpPr>
+        <p:spPr>
+          <a:xfrm>
+            <a:off x="1200727" y="4608945"/>
+            <a:ext cx="1736437" cy="646331"/>
+          </a:xfrm>
+          <a:prstGeom prst="rect">
+            <a:avLst/>
+          </a:prstGeom>
+          <a:noFill/>
+        </p:spPr>
+        <p:txBody>
+          <a:bodyPr wrap="square" rtlCol="0">
+            <a:spAutoFit/>
+          </a:bodyPr>
+          <a:lstStyle/>
+          <a:p>
+            <a:r>
+              <a:rPr lang="en-US" altLang="ko-KR" dirty="0"/>
+              <a:t>Div &gt; span </a:t>
+            </a:r>
+            <a:r>
+              <a:rPr lang="ko-KR" altLang="en-US" dirty="0"/>
+              <a:t>도 됨 자식 선택</a:t>
+            </a:r>
+          </a:p>
+        </p:txBody>
+      </p:sp>
     </p:spTree>
     <p:extLst>
       <p:ext uri="{BB962C8B-B14F-4D97-AF65-F5344CB8AC3E}">
